--- a/Documentation/Year-End-Project-Presentation.pptx
+++ b/Documentation/Year-End-Project-Presentation.pptx
@@ -105,6 +105,11 @@
       </a:defRPr>
     </a:lvl9pPr>
   </p:defaultTextStyle>
+  <p:extLst>
+    <p:ext uri="{EFAFB233-063F-42B5-8137-9DF3F51BA10A}">
+      <p15:sldGuideLst xmlns:p15="http://schemas.microsoft.com/office/powerpoint/2012/main"/>
+    </p:ext>
+  </p:extLst>
 </p:presentation>
 </file>
 
@@ -129,6 +134,30 @@
             <pc:docMk/>
             <pc:sldMk cId="83929323" sldId="256"/>
             <ac:spMk id="2" creationId="{EC7368FF-5DF3-4A71-9905-800367483C36}"/>
+          </ac:spMkLst>
+        </pc:spChg>
+      </pc:sldChg>
+    </pc:docChg>
+  </pc:docChgLst>
+  <pc:docChgLst>
+    <pc:chgData name="Dhanuka, Priyansh" userId="cc4bc335-7283-4e10-b5ed-5ef9b84ebf3b" providerId="ADAL" clId="{5FA1613E-ED40-48B0-BC5D-BD38CA54B2D0}"/>
+    <pc:docChg chg="modSld">
+      <pc:chgData name="Dhanuka, Priyansh" userId="cc4bc335-7283-4e10-b5ed-5ef9b84ebf3b" providerId="ADAL" clId="{5FA1613E-ED40-48B0-BC5D-BD38CA54B2D0}" dt="2024-06-04T23:43:02.145" v="52" actId="20577"/>
+      <pc:docMkLst>
+        <pc:docMk/>
+      </pc:docMkLst>
+      <pc:sldChg chg="modSp mod">
+        <pc:chgData name="Dhanuka, Priyansh" userId="cc4bc335-7283-4e10-b5ed-5ef9b84ebf3b" providerId="ADAL" clId="{5FA1613E-ED40-48B0-BC5D-BD38CA54B2D0}" dt="2024-06-04T23:43:02.145" v="52" actId="20577"/>
+        <pc:sldMkLst>
+          <pc:docMk/>
+          <pc:sldMk cId="83929323" sldId="256"/>
+        </pc:sldMkLst>
+        <pc:spChg chg="mod">
+          <ac:chgData name="Dhanuka, Priyansh" userId="cc4bc335-7283-4e10-b5ed-5ef9b84ebf3b" providerId="ADAL" clId="{5FA1613E-ED40-48B0-BC5D-BD38CA54B2D0}" dt="2024-06-04T23:43:02.145" v="52" actId="20577"/>
+          <ac:spMkLst>
+            <pc:docMk/>
+            <pc:sldMk cId="83929323" sldId="256"/>
+            <ac:spMk id="3" creationId="{FD71CCE2-1D5C-4234-859A-3933E009AC00}"/>
           </ac:spMkLst>
         </pc:spChg>
       </pc:sldChg>
@@ -305,7 +334,7 @@
           <a:p>
             <a:fld id="{6A5C67DF-8178-401D-886F-9E4BDF0F0BBA}" type="datetimeFigureOut">
               <a:rPr lang="en-US" smtClean="0"/>
-              <a:t>5/7/2024</a:t>
+              <a:t>6/4/2024</a:t>
             </a:fld>
             <a:endParaRPr lang="en-US"/>
           </a:p>
@@ -533,7 +562,7 @@
           <a:p>
             <a:fld id="{6A5C67DF-8178-401D-886F-9E4BDF0F0BBA}" type="datetimeFigureOut">
               <a:rPr lang="en-US" smtClean="0"/>
-              <a:t>5/7/2024</a:t>
+              <a:t>6/4/2024</a:t>
             </a:fld>
             <a:endParaRPr lang="en-US"/>
           </a:p>
@@ -713,7 +742,7 @@
           <a:p>
             <a:fld id="{6A5C67DF-8178-401D-886F-9E4BDF0F0BBA}" type="datetimeFigureOut">
               <a:rPr lang="en-US" smtClean="0"/>
-              <a:t>5/7/2024</a:t>
+              <a:t>6/4/2024</a:t>
             </a:fld>
             <a:endParaRPr lang="en-US"/>
           </a:p>
@@ -883,7 +912,7 @@
           <a:p>
             <a:fld id="{6A5C67DF-8178-401D-886F-9E4BDF0F0BBA}" type="datetimeFigureOut">
               <a:rPr lang="en-US" smtClean="0"/>
-              <a:t>5/7/2024</a:t>
+              <a:t>6/4/2024</a:t>
             </a:fld>
             <a:endParaRPr lang="en-US"/>
           </a:p>
@@ -1137,7 +1166,7 @@
           <a:p>
             <a:fld id="{6A5C67DF-8178-401D-886F-9E4BDF0F0BBA}" type="datetimeFigureOut">
               <a:rPr lang="en-US" smtClean="0"/>
-              <a:t>5/7/2024</a:t>
+              <a:t>6/4/2024</a:t>
             </a:fld>
             <a:endParaRPr lang="en-US"/>
           </a:p>
@@ -1463,7 +1492,7 @@
           <a:p>
             <a:fld id="{6A5C67DF-8178-401D-886F-9E4BDF0F0BBA}" type="datetimeFigureOut">
               <a:rPr lang="en-US" smtClean="0"/>
-              <a:t>5/7/2024</a:t>
+              <a:t>6/4/2024</a:t>
             </a:fld>
             <a:endParaRPr lang="en-US"/>
           </a:p>
@@ -1914,7 +1943,7 @@
           <a:p>
             <a:fld id="{6A5C67DF-8178-401D-886F-9E4BDF0F0BBA}" type="datetimeFigureOut">
               <a:rPr lang="en-US" smtClean="0"/>
-              <a:t>5/7/2024</a:t>
+              <a:t>6/4/2024</a:t>
             </a:fld>
             <a:endParaRPr lang="en-US"/>
           </a:p>
@@ -2032,7 +2061,7 @@
           <a:p>
             <a:fld id="{6A5C67DF-8178-401D-886F-9E4BDF0F0BBA}" type="datetimeFigureOut">
               <a:rPr lang="en-US" smtClean="0"/>
-              <a:t>5/7/2024</a:t>
+              <a:t>6/4/2024</a:t>
             </a:fld>
             <a:endParaRPr lang="en-US"/>
           </a:p>
@@ -2127,7 +2156,7 @@
           <a:p>
             <a:fld id="{6A5C67DF-8178-401D-886F-9E4BDF0F0BBA}" type="datetimeFigureOut">
               <a:rPr lang="en-US" smtClean="0"/>
-              <a:t>5/7/2024</a:t>
+              <a:t>6/4/2024</a:t>
             </a:fld>
             <a:endParaRPr lang="en-US"/>
           </a:p>
@@ -2414,7 +2443,7 @@
           <a:p>
             <a:fld id="{6A5C67DF-8178-401D-886F-9E4BDF0F0BBA}" type="datetimeFigureOut">
               <a:rPr lang="en-US" smtClean="0"/>
-              <a:t>5/7/2024</a:t>
+              <a:t>6/4/2024</a:t>
             </a:fld>
             <a:endParaRPr lang="en-US"/>
           </a:p>
@@ -2736,7 +2765,7 @@
           <a:p>
             <a:fld id="{6A5C67DF-8178-401D-886F-9E4BDF0F0BBA}" type="datetimeFigureOut">
               <a:rPr lang="en-US" smtClean="0"/>
-              <a:t>5/7/2024</a:t>
+              <a:t>6/4/2024</a:t>
             </a:fld>
             <a:endParaRPr lang="en-US"/>
           </a:p>
@@ -2990,7 +3019,7 @@
           <a:p>
             <a:fld id="{6A5C67DF-8178-401D-886F-9E4BDF0F0BBA}" type="datetimeFigureOut">
               <a:rPr lang="en-US" smtClean="0"/>
-              <a:t>5/7/2024</a:t>
+              <a:t>6/4/2024</a:t>
             </a:fld>
             <a:endParaRPr lang="en-US"/>
           </a:p>
@@ -3547,13 +3576,29 @@
           <a:p>
             <a:r>
               <a:rPr lang="en-US" dirty="0"/>
-              <a:t>Project Name:</a:t>
-            </a:r>
-          </a:p>
-          <a:p>
+              <a:t>Project Name: </a:t>
+            </a:r>
+            <a:r>
+              <a:rPr lang="en-US" dirty="0" err="1"/>
+              <a:t>GroceryGrove</a:t>
+            </a:r>
             <a:r>
               <a:rPr lang="en-US" dirty="0"/>
-              <a:t>Student Names:</a:t>
+              <a:t> Website</a:t>
+            </a:r>
+          </a:p>
+          <a:p>
+            <a:r>
+              <a:rPr lang="en-US" dirty="0"/>
+              <a:t>Student Names: Priyansh Dhanuka, </a:t>
+            </a:r>
+            <a:r>
+              <a:rPr lang="en-US" dirty="0" err="1"/>
+              <a:t>Attiyah</a:t>
+            </a:r>
+            <a:r>
+              <a:rPr lang="en-US" dirty="0"/>
+              <a:t> A</a:t>
             </a:r>
           </a:p>
         </p:txBody>
